--- a/ITERACION 3/SUB ITERACION 2/PPT SUB-ITERACION 2 v2.0.pptx
+++ b/ITERACION 3/SUB ITERACION 2/PPT SUB-ITERACION 2 v2.0.pptx
@@ -20027,15 +20027,7 @@
                   <a:schemeClr val="tx2"/>
                 </a:solidFill>
               </a:rPr>
-              <a:t>ESPECIFICACIONES </a:t>
-            </a:r>
-            <a:r>
-              <a:rPr lang="es-PE" b="1" dirty="0" smtClean="0">
-                <a:solidFill>
-                  <a:schemeClr val="tx2"/>
-                </a:solidFill>
-              </a:rPr>
-              <a:t>DE CASOS DE USO</a:t>
+              <a:t>ESPECIFICACIONES DE CASOS DE USO</a:t>
             </a:r>
           </a:p>
         </p:txBody>
@@ -22463,14 +22455,14 @@
           <p:nvPr>
             <p:extLst>
               <p:ext uri="{D42A27DB-BD31-4B8C-83A1-F6EECF244321}">
-                <p14:modId xmlns:p14="http://schemas.microsoft.com/office/powerpoint/2010/main" val="2785058856"/>
+                <p14:modId xmlns:p14="http://schemas.microsoft.com/office/powerpoint/2010/main" val="2891867773"/>
               </p:ext>
             </p:extLst>
           </p:nvPr>
         </p:nvGraphicFramePr>
         <p:xfrm>
-          <a:off x="251519" y="2636912"/>
-          <a:ext cx="8641656" cy="2711180"/>
+          <a:off x="251519" y="2348880"/>
+          <a:ext cx="8641656" cy="4174220"/>
         </p:xfrm>
         <a:graphic>
           <a:graphicData uri="http://schemas.openxmlformats.org/drawingml/2006/table">
@@ -22633,6 +22625,118 @@
                         </a:rPr>
                         <a:t>La razón social, Nº de RUC, Nº de teléfono, Nº de Anexo, cuenta de correo, Nº de Fax, Tipo de persona, estado del Cliente.	</a:t>
                       </a:r>
+                    </a:p>
+                  </a:txBody>
+                  <a:tcPr/>
+                </a:tc>
+              </a:tr>
+              <a:tr h="624070">
+                <a:tc>
+                  <a:txBody>
+                    <a:bodyPr/>
+                    <a:lstStyle/>
+                    <a:p>
+                      <a:pPr marL="0" marR="0" lvl="0" indent="0" algn="l" defTabSz="914400" rtl="0" eaLnBrk="1" fontAlgn="auto" latinLnBrk="0" hangingPunct="1">
+                        <a:lnSpc>
+                          <a:spcPct val="100000"/>
+                        </a:lnSpc>
+                        <a:spcBef>
+                          <a:spcPts val="0"/>
+                        </a:spcBef>
+                        <a:spcAft>
+                          <a:spcPts val="0"/>
+                        </a:spcAft>
+                        <a:buClrTx/>
+                        <a:buSzTx/>
+                        <a:buFontTx/>
+                        <a:buNone/>
+                        <a:tabLst/>
+                        <a:defRPr/>
+                      </a:pPr>
+                      <a:r>
+                        <a:rPr lang="en-US" sz="1800" b="1" kern="1200" dirty="0" err="1" smtClean="0">
+                          <a:effectLst/>
+                        </a:rPr>
+                        <a:t>Flujo</a:t>
+                      </a:r>
+                      <a:r>
+                        <a:rPr lang="en-US" sz="1800" b="1" kern="1200" baseline="0" dirty="0" smtClean="0">
+                          <a:effectLst/>
+                        </a:rPr>
+                        <a:t> de </a:t>
+                      </a:r>
+                      <a:r>
+                        <a:rPr lang="en-US" sz="1800" b="1" kern="1200" baseline="0" dirty="0" err="1" smtClean="0">
+                          <a:effectLst/>
+                        </a:rPr>
+                        <a:t>Eventos</a:t>
+                      </a:r>
+                      <a:endParaRPr lang="es-PE" sz="1800" b="1" kern="1200" dirty="0" smtClean="0">
+                        <a:effectLst/>
+                      </a:endParaRPr>
+                    </a:p>
+                  </a:txBody>
+                  <a:tcPr/>
+                </a:tc>
+                <a:tc>
+                  <a:txBody>
+                    <a:bodyPr/>
+                    <a:lstStyle/>
+                    <a:p>
+                      <a:r>
+                        <a:rPr lang="es-PE" sz="1800" kern="1200" dirty="0" smtClean="0">
+                          <a:solidFill>
+                            <a:schemeClr val="tx1"/>
+                          </a:solidFill>
+                          <a:effectLst/>
+                          <a:latin typeface="+mn-lt"/>
+                          <a:ea typeface="+mn-ea"/>
+                          <a:cs typeface="+mn-cs"/>
+                        </a:rPr>
+                        <a:t>El sistema muestra la interfaz “</a:t>
+                      </a:r>
+                      <a:r>
+                        <a:rPr lang="es-PE" sz="1800" b="1" kern="1200" dirty="0" smtClean="0">
+                          <a:solidFill>
+                            <a:schemeClr val="tx1"/>
+                          </a:solidFill>
+                          <a:effectLst/>
+                          <a:latin typeface="+mn-lt"/>
+                          <a:ea typeface="+mn-ea"/>
+                          <a:cs typeface="+mn-cs"/>
+                        </a:rPr>
+                        <a:t>Mantenimiento de datos de Cliente</a:t>
+                      </a:r>
+                      <a:r>
+                        <a:rPr lang="es-PE" sz="1800" kern="1200" dirty="0" smtClean="0">
+                          <a:solidFill>
+                            <a:schemeClr val="tx1"/>
+                          </a:solidFill>
+                          <a:effectLst/>
+                          <a:latin typeface="+mn-lt"/>
+                          <a:ea typeface="+mn-ea"/>
+                          <a:cs typeface="+mn-cs"/>
+                        </a:rPr>
+                        <a:t>” con opciones para asociar los criterios como:</a:t>
+                      </a:r>
+                    </a:p>
+                    <a:p>
+                      <a:pPr algn="just"/>
+                      <a:r>
+                        <a:rPr lang="es-PE" sz="1800" kern="1200" dirty="0" smtClean="0">
+                          <a:solidFill>
+                            <a:schemeClr val="tx1"/>
+                          </a:solidFill>
+                          <a:effectLst/>
+                          <a:latin typeface="+mn-lt"/>
+                          <a:ea typeface="+mn-ea"/>
+                          <a:cs typeface="+mn-cs"/>
+                        </a:rPr>
+                        <a:t>La razón social, Nº de RUC, Nº de teléfono, Nº de Anexo, cuenta de correo, Nº de Fax, Tipo de persona, estado del Cliente.</a:t>
+                      </a:r>
+                      <a:endParaRPr lang="es-PE" sz="1800" kern="1200" dirty="0" smtClean="0">
+                        <a:effectLst/>
+                      </a:endParaRPr>
                     </a:p>
                   </a:txBody>
                   <a:tcPr/>
